--- a/yujin/ui image.pptx
+++ b/yujin/ui image.pptx
@@ -2068,7 +2068,7 @@
             <a:pPr>
               <a:defRPr/>
             </a:pPr>
-            <a:endParaRPr lang="ko-KR" altLang="en-US"/>
+            <a:endParaRPr lang="ko-KR" altLang="en-US" dirty="0"/>
           </a:p>
         </p:txBody>
       </p:sp>
@@ -6005,7 +6005,7 @@
     <mc:Choice Requires="p14">
       <p:transition/>
     </mc:Choice>
-    <mc:Fallback xmlns:dsp="http://schemas.microsoft.com/office/drawing/2008/diagram" xmlns:dgm="http://schemas.openxmlformats.org/drawingml/2006/diagram" xmlns:c="http://schemas.openxmlformats.org/drawingml/2006/chart" xmlns="">
+    <mc:Fallback xmlns="" xmlns:c="http://schemas.openxmlformats.org/drawingml/2006/chart" xmlns:dgm="http://schemas.openxmlformats.org/drawingml/2006/diagram" xmlns:dsp="http://schemas.microsoft.com/office/drawing/2008/diagram">
       <p:transition/>
     </mc:Fallback>
   </mc:AlternateContent>
@@ -6374,7 +6374,7 @@
     <mc:Choice Requires="p14">
       <p:transition/>
     </mc:Choice>
-    <mc:Fallback xmlns:dsp="http://schemas.microsoft.com/office/drawing/2008/diagram" xmlns:dgm="http://schemas.openxmlformats.org/drawingml/2006/diagram" xmlns:c="http://schemas.openxmlformats.org/drawingml/2006/chart" xmlns="">
+    <mc:Fallback xmlns="" xmlns:c="http://schemas.openxmlformats.org/drawingml/2006/chart" xmlns:dgm="http://schemas.openxmlformats.org/drawingml/2006/diagram" xmlns:dsp="http://schemas.microsoft.com/office/drawing/2008/diagram">
       <p:transition/>
     </mc:Fallback>
   </mc:AlternateContent>
@@ -10235,7 +10235,7 @@
     <mc:Choice Requires="p14">
       <p:transition/>
     </mc:Choice>
-    <mc:Fallback xmlns:dsp="http://schemas.microsoft.com/office/drawing/2008/diagram" xmlns:dgm="http://schemas.openxmlformats.org/drawingml/2006/diagram" xmlns:c="http://schemas.openxmlformats.org/drawingml/2006/chart" xmlns="">
+    <mc:Fallback xmlns="" xmlns:c="http://schemas.openxmlformats.org/drawingml/2006/chart" xmlns:dgm="http://schemas.openxmlformats.org/drawingml/2006/diagram" xmlns:dsp="http://schemas.microsoft.com/office/drawing/2008/diagram">
       <p:transition/>
     </mc:Fallback>
   </mc:AlternateContent>
@@ -13050,7 +13050,7 @@
     <mc:Choice Requires="p14">
       <p:transition/>
     </mc:Choice>
-    <mc:Fallback xmlns:dsp="http://schemas.microsoft.com/office/drawing/2008/diagram" xmlns:dgm="http://schemas.openxmlformats.org/drawingml/2006/diagram" xmlns:c="http://schemas.openxmlformats.org/drawingml/2006/chart" xmlns="">
+    <mc:Fallback xmlns="" xmlns:c="http://schemas.openxmlformats.org/drawingml/2006/chart" xmlns:dgm="http://schemas.openxmlformats.org/drawingml/2006/diagram" xmlns:dsp="http://schemas.microsoft.com/office/drawing/2008/diagram">
       <p:transition/>
     </mc:Fallback>
   </mc:AlternateContent>
@@ -13946,7 +13946,7 @@
     <mc:Choice Requires="p14">
       <p:transition/>
     </mc:Choice>
-    <mc:Fallback xmlns:dsp="http://schemas.microsoft.com/office/drawing/2008/diagram" xmlns:dgm="http://schemas.openxmlformats.org/drawingml/2006/diagram" xmlns:c="http://schemas.openxmlformats.org/drawingml/2006/chart" xmlns="">
+    <mc:Fallback xmlns="" xmlns:c="http://schemas.openxmlformats.org/drawingml/2006/chart" xmlns:dgm="http://schemas.openxmlformats.org/drawingml/2006/diagram" xmlns:dsp="http://schemas.microsoft.com/office/drawing/2008/diagram">
       <p:transition/>
     </mc:Fallback>
   </mc:AlternateContent>
@@ -22621,7 +22621,7 @@
     <mc:Choice Requires="p14">
       <p:transition/>
     </mc:Choice>
-    <mc:Fallback xmlns:dsp="http://schemas.microsoft.com/office/drawing/2008/diagram" xmlns:dgm="http://schemas.openxmlformats.org/drawingml/2006/diagram" xmlns:c="http://schemas.openxmlformats.org/drawingml/2006/chart" xmlns="">
+    <mc:Fallback xmlns="" xmlns:c="http://schemas.openxmlformats.org/drawingml/2006/chart" xmlns:dgm="http://schemas.openxmlformats.org/drawingml/2006/diagram" xmlns:dsp="http://schemas.microsoft.com/office/drawing/2008/diagram">
       <p:transition/>
     </mc:Fallback>
   </mc:AlternateContent>
@@ -22787,7 +22787,7 @@
     <mc:Choice Requires="p14">
       <p:transition/>
     </mc:Choice>
-    <mc:Fallback xmlns="" xmlns:c="http://schemas.openxmlformats.org/drawingml/2006/chart" xmlns:dgm="http://schemas.openxmlformats.org/drawingml/2006/diagram" xmlns:dsp="http://schemas.microsoft.com/office/drawing/2008/diagram">
+    <mc:Fallback xmlns:dsp="http://schemas.microsoft.com/office/drawing/2008/diagram" xmlns:dgm="http://schemas.openxmlformats.org/drawingml/2006/diagram" xmlns:c="http://schemas.openxmlformats.org/drawingml/2006/chart" xmlns="">
       <p:transition/>
     </mc:Fallback>
   </mc:AlternateContent>
@@ -23415,7 +23415,7 @@
     <mc:Choice Requires="p14">
       <p:transition/>
     </mc:Choice>
-    <mc:Fallback xmlns:dsp="http://schemas.microsoft.com/office/drawing/2008/diagram" xmlns:dgm="http://schemas.openxmlformats.org/drawingml/2006/diagram" xmlns:c="http://schemas.openxmlformats.org/drawingml/2006/chart" xmlns="">
+    <mc:Fallback xmlns="" xmlns:c="http://schemas.openxmlformats.org/drawingml/2006/chart" xmlns:dgm="http://schemas.openxmlformats.org/drawingml/2006/diagram" xmlns:dsp="http://schemas.microsoft.com/office/drawing/2008/diagram">
       <p:transition/>
     </mc:Fallback>
   </mc:AlternateContent>
@@ -24252,7 +24252,7 @@
     <mc:Choice Requires="p14">
       <p:transition/>
     </mc:Choice>
-    <mc:Fallback xmlns:dsp="http://schemas.microsoft.com/office/drawing/2008/diagram" xmlns:dgm="http://schemas.openxmlformats.org/drawingml/2006/diagram" xmlns:c="http://schemas.openxmlformats.org/drawingml/2006/chart" xmlns="">
+    <mc:Fallback xmlns="" xmlns:c="http://schemas.openxmlformats.org/drawingml/2006/chart" xmlns:dgm="http://schemas.openxmlformats.org/drawingml/2006/diagram" xmlns:dsp="http://schemas.microsoft.com/office/drawing/2008/diagram">
       <p:transition/>
     </mc:Fallback>
   </mc:AlternateContent>
@@ -26831,7 +26831,7 @@
     <mc:Choice Requires="p14">
       <p:transition/>
     </mc:Choice>
-    <mc:Fallback xmlns:dsp="http://schemas.microsoft.com/office/drawing/2008/diagram" xmlns:dgm="http://schemas.openxmlformats.org/drawingml/2006/diagram" xmlns:c="http://schemas.openxmlformats.org/drawingml/2006/chart" xmlns="">
+    <mc:Fallback xmlns="" xmlns:c="http://schemas.openxmlformats.org/drawingml/2006/chart" xmlns:dgm="http://schemas.openxmlformats.org/drawingml/2006/diagram" xmlns:dsp="http://schemas.microsoft.com/office/drawing/2008/diagram">
       <p:transition/>
     </mc:Fallback>
   </mc:AlternateContent>
@@ -27203,7 +27203,7 @@
     <mc:Choice Requires="p14">
       <p:transition/>
     </mc:Choice>
-    <mc:Fallback xmlns:dsp="http://schemas.microsoft.com/office/drawing/2008/diagram" xmlns:dgm="http://schemas.openxmlformats.org/drawingml/2006/diagram" xmlns:c="http://schemas.openxmlformats.org/drawingml/2006/chart" xmlns="">
+    <mc:Fallback xmlns="" xmlns:c="http://schemas.openxmlformats.org/drawingml/2006/chart" xmlns:dgm="http://schemas.openxmlformats.org/drawingml/2006/diagram" xmlns:dsp="http://schemas.microsoft.com/office/drawing/2008/diagram">
       <p:transition/>
     </mc:Fallback>
   </mc:AlternateContent>
@@ -27655,7 +27655,7 @@
     <mc:Choice Requires="p14">
       <p:transition/>
     </mc:Choice>
-    <mc:Fallback xmlns:dsp="http://schemas.microsoft.com/office/drawing/2008/diagram" xmlns:dgm="http://schemas.openxmlformats.org/drawingml/2006/diagram" xmlns:c="http://schemas.openxmlformats.org/drawingml/2006/chart" xmlns="">
+    <mc:Fallback xmlns="" xmlns:c="http://schemas.openxmlformats.org/drawingml/2006/chart" xmlns:dgm="http://schemas.openxmlformats.org/drawingml/2006/diagram" xmlns:dsp="http://schemas.microsoft.com/office/drawing/2008/diagram">
       <p:transition/>
     </mc:Fallback>
   </mc:AlternateContent>
@@ -31415,7 +31415,7 @@
     <mc:Choice Requires="p14">
       <p:transition/>
     </mc:Choice>
-    <mc:Fallback xmlns:dsp="http://schemas.microsoft.com/office/drawing/2008/diagram" xmlns:dgm="http://schemas.openxmlformats.org/drawingml/2006/diagram" xmlns:c="http://schemas.openxmlformats.org/drawingml/2006/chart" xmlns="">
+    <mc:Fallback xmlns="" xmlns:c="http://schemas.openxmlformats.org/drawingml/2006/chart" xmlns:dgm="http://schemas.openxmlformats.org/drawingml/2006/diagram" xmlns:dsp="http://schemas.microsoft.com/office/drawing/2008/diagram">
       <p:transition/>
     </mc:Fallback>
   </mc:AlternateContent>
@@ -32971,7 +32971,7 @@
     <mc:Choice Requires="p14">
       <p:transition/>
     </mc:Choice>
-    <mc:Fallback xmlns:dsp="http://schemas.microsoft.com/office/drawing/2008/diagram" xmlns:dgm="http://schemas.openxmlformats.org/drawingml/2006/diagram" xmlns:c="http://schemas.openxmlformats.org/drawingml/2006/chart" xmlns="">
+    <mc:Fallback xmlns="" xmlns:c="http://schemas.openxmlformats.org/drawingml/2006/chart" xmlns:dgm="http://schemas.openxmlformats.org/drawingml/2006/diagram" xmlns:dsp="http://schemas.microsoft.com/office/drawing/2008/diagram">
       <p:transition/>
     </mc:Fallback>
   </mc:AlternateContent>
@@ -33011,7 +33011,7 @@
         </p:nvGrpSpPr>
         <p:grpSpPr>
           <a:xfrm>
-            <a:off x="-14939" y="5142857"/>
+            <a:off x="38100" y="5182889"/>
             <a:ext cx="18300654" cy="5172736"/>
             <a:chOff x="-14939" y="5142857"/>
             <a:chExt cx="18300654" cy="5172736"/>
@@ -33328,66 +33328,1246 @@
           </a:p>
         </p:txBody>
       </p:sp>
-      <p:pic>
-        <p:nvPicPr>
-          <p:cNvPr id="2" name="그림 1"/>
-          <p:cNvPicPr>
-            <a:picLocks noChangeAspect="1"/>
-          </p:cNvPicPr>
+      <p:grpSp>
+        <p:nvGrpSpPr>
+          <p:cNvPr id="41" name="그룹 40"/>
+          <p:cNvGrpSpPr/>
           <p:nvPr/>
-        </p:nvPicPr>
-        <p:blipFill>
-          <a:blip r:embed="rId6" cstate="print">
-            <a:extLst>
-              <a:ext uri="{28A0092B-C50C-407E-A947-70E740481C1C}">
-                <a14:useLocalDpi xmlns:a14="http://schemas.microsoft.com/office/drawing/2010/main" val="0"/>
-              </a:ext>
-            </a:extLst>
-          </a:blip>
-          <a:stretch>
-            <a:fillRect/>
-          </a:stretch>
-        </p:blipFill>
-        <p:spPr>
+        </p:nvGrpSpPr>
+        <p:grpSpPr>
           <a:xfrm>
-            <a:off x="4071477" y="2315070"/>
-            <a:ext cx="3291847" cy="7363983"/>
+            <a:off x="3744170" y="2534435"/>
+            <a:ext cx="9667030" cy="6800065"/>
+            <a:chOff x="3744170" y="2534435"/>
+            <a:chExt cx="8524030" cy="6038065"/>
           </a:xfrm>
-          <a:prstGeom prst="rect">
-            <a:avLst/>
-          </a:prstGeom>
-        </p:spPr>
-      </p:pic>
-      <p:pic>
-        <p:nvPicPr>
-          <p:cNvPr id="4" name="그림 3"/>
-          <p:cNvPicPr>
-            <a:picLocks noChangeAspect="1"/>
-          </p:cNvPicPr>
-          <p:nvPr/>
-        </p:nvPicPr>
-        <p:blipFill>
-          <a:blip r:embed="rId7" cstate="print">
-            <a:extLst>
-              <a:ext uri="{28A0092B-C50C-407E-A947-70E740481C1C}">
-                <a14:useLocalDpi xmlns:a14="http://schemas.microsoft.com/office/drawing/2010/main" val="0"/>
-              </a:ext>
-            </a:extLst>
-          </a:blip>
-          <a:stretch>
-            <a:fillRect/>
-          </a:stretch>
-        </p:blipFill>
-        <p:spPr>
-          <a:xfrm>
-            <a:off x="9623627" y="2309221"/>
-            <a:ext cx="3291847" cy="7363983"/>
-          </a:xfrm>
-          <a:prstGeom prst="rect">
-            <a:avLst/>
-          </a:prstGeom>
-        </p:spPr>
-      </p:pic>
+        </p:grpSpPr>
+        <p:sp>
+          <p:nvSpPr>
+            <p:cNvPr id="5" name="직사각형 4"/>
+            <p:cNvSpPr/>
+            <p:nvPr/>
+          </p:nvSpPr>
+          <p:spPr>
+            <a:xfrm>
+              <a:off x="3744172" y="2534435"/>
+              <a:ext cx="8524028" cy="950985"/>
+            </a:xfrm>
+            <a:prstGeom prst="rect">
+              <a:avLst/>
+            </a:prstGeom>
+            <a:solidFill>
+              <a:schemeClr val="bg1">
+                <a:lumMod val="75000"/>
+              </a:schemeClr>
+            </a:solidFill>
+            <a:ln>
+              <a:noFill/>
+            </a:ln>
+          </p:spPr>
+          <p:style>
+            <a:lnRef idx="2">
+              <a:schemeClr val="accent1">
+                <a:shade val="50000"/>
+              </a:schemeClr>
+            </a:lnRef>
+            <a:fillRef idx="1">
+              <a:schemeClr val="accent1"/>
+            </a:fillRef>
+            <a:effectRef idx="0">
+              <a:schemeClr val="accent1"/>
+            </a:effectRef>
+            <a:fontRef idx="minor">
+              <a:schemeClr val="lt1"/>
+            </a:fontRef>
+          </p:style>
+          <p:txBody>
+            <a:bodyPr rtlCol="0" anchor="ctr"/>
+            <a:lstStyle/>
+            <a:p>
+              <a:pPr algn="ctr"/>
+              <a:endParaRPr lang="ko-KR" altLang="en-US"/>
+            </a:p>
+          </p:txBody>
+        </p:sp>
+        <p:sp>
+          <p:nvSpPr>
+            <p:cNvPr id="7" name="직사각형 6"/>
+            <p:cNvSpPr/>
+            <p:nvPr/>
+          </p:nvSpPr>
+          <p:spPr>
+            <a:xfrm>
+              <a:off x="3744172" y="3544842"/>
+              <a:ext cx="8524028" cy="522211"/>
+            </a:xfrm>
+            <a:prstGeom prst="rect">
+              <a:avLst/>
+            </a:prstGeom>
+            <a:solidFill>
+              <a:schemeClr val="tx2">
+                <a:lumMod val="20000"/>
+                <a:lumOff val="80000"/>
+              </a:schemeClr>
+            </a:solidFill>
+            <a:ln>
+              <a:noFill/>
+            </a:ln>
+          </p:spPr>
+          <p:style>
+            <a:lnRef idx="2">
+              <a:schemeClr val="accent1">
+                <a:shade val="50000"/>
+              </a:schemeClr>
+            </a:lnRef>
+            <a:fillRef idx="1">
+              <a:schemeClr val="accent1"/>
+            </a:fillRef>
+            <a:effectRef idx="0">
+              <a:schemeClr val="accent1"/>
+            </a:effectRef>
+            <a:fontRef idx="minor">
+              <a:schemeClr val="lt1"/>
+            </a:fontRef>
+          </p:style>
+          <p:txBody>
+            <a:bodyPr rtlCol="0" anchor="ctr"/>
+            <a:lstStyle/>
+            <a:p>
+              <a:pPr algn="ctr"/>
+              <a:endParaRPr lang="ko-KR" altLang="en-US"/>
+            </a:p>
+          </p:txBody>
+        </p:sp>
+        <p:sp>
+          <p:nvSpPr>
+            <p:cNvPr id="8" name="직사각형 7"/>
+            <p:cNvSpPr/>
+            <p:nvPr/>
+          </p:nvSpPr>
+          <p:spPr>
+            <a:xfrm>
+              <a:off x="3744171" y="4121997"/>
+              <a:ext cx="4868719" cy="1663997"/>
+            </a:xfrm>
+            <a:prstGeom prst="rect">
+              <a:avLst/>
+            </a:prstGeom>
+            <a:solidFill>
+              <a:schemeClr val="bg1">
+                <a:lumMod val="85000"/>
+              </a:schemeClr>
+            </a:solidFill>
+            <a:ln>
+              <a:noFill/>
+            </a:ln>
+          </p:spPr>
+          <p:style>
+            <a:lnRef idx="2">
+              <a:schemeClr val="accent1">
+                <a:shade val="50000"/>
+              </a:schemeClr>
+            </a:lnRef>
+            <a:fillRef idx="1">
+              <a:schemeClr val="accent1"/>
+            </a:fillRef>
+            <a:effectRef idx="0">
+              <a:schemeClr val="accent1"/>
+            </a:effectRef>
+            <a:fontRef idx="minor">
+              <a:schemeClr val="lt1"/>
+            </a:fontRef>
+          </p:style>
+          <p:txBody>
+            <a:bodyPr rtlCol="0" anchor="ctr"/>
+            <a:lstStyle/>
+            <a:p>
+              <a:pPr algn="ctr"/>
+              <a:endParaRPr lang="ko-KR" altLang="en-US"/>
+            </a:p>
+          </p:txBody>
+        </p:sp>
+        <p:sp>
+          <p:nvSpPr>
+            <p:cNvPr id="17" name="직사각형 16"/>
+            <p:cNvSpPr/>
+            <p:nvPr/>
+          </p:nvSpPr>
+          <p:spPr>
+            <a:xfrm>
+              <a:off x="3744171" y="5854310"/>
+              <a:ext cx="4868719" cy="1702816"/>
+            </a:xfrm>
+            <a:prstGeom prst="rect">
+              <a:avLst/>
+            </a:prstGeom>
+            <a:solidFill>
+              <a:schemeClr val="bg1">
+                <a:lumMod val="85000"/>
+              </a:schemeClr>
+            </a:solidFill>
+            <a:ln>
+              <a:noFill/>
+            </a:ln>
+          </p:spPr>
+          <p:style>
+            <a:lnRef idx="2">
+              <a:schemeClr val="accent1">
+                <a:shade val="50000"/>
+              </a:schemeClr>
+            </a:lnRef>
+            <a:fillRef idx="1">
+              <a:schemeClr val="accent1"/>
+            </a:fillRef>
+            <a:effectRef idx="0">
+              <a:schemeClr val="accent1"/>
+            </a:effectRef>
+            <a:fontRef idx="minor">
+              <a:schemeClr val="lt1"/>
+            </a:fontRef>
+          </p:style>
+          <p:txBody>
+            <a:bodyPr rtlCol="0" anchor="ctr"/>
+            <a:lstStyle/>
+            <a:p>
+              <a:pPr algn="ctr"/>
+              <a:endParaRPr lang="ko-KR" altLang="en-US"/>
+            </a:p>
+          </p:txBody>
+        </p:sp>
+        <p:sp>
+          <p:nvSpPr>
+            <p:cNvPr id="9" name="직사각형 8"/>
+            <p:cNvSpPr/>
+            <p:nvPr/>
+          </p:nvSpPr>
+          <p:spPr>
+            <a:xfrm>
+              <a:off x="8861767" y="4126473"/>
+              <a:ext cx="3406433" cy="1776709"/>
+            </a:xfrm>
+            <a:prstGeom prst="rect">
+              <a:avLst/>
+            </a:prstGeom>
+            <a:solidFill>
+              <a:schemeClr val="bg1">
+                <a:lumMod val="95000"/>
+              </a:schemeClr>
+            </a:solidFill>
+            <a:ln>
+              <a:noFill/>
+            </a:ln>
+          </p:spPr>
+          <p:style>
+            <a:lnRef idx="2">
+              <a:schemeClr val="accent1">
+                <a:shade val="50000"/>
+              </a:schemeClr>
+            </a:lnRef>
+            <a:fillRef idx="1">
+              <a:schemeClr val="accent1"/>
+            </a:fillRef>
+            <a:effectRef idx="0">
+              <a:schemeClr val="accent1"/>
+            </a:effectRef>
+            <a:fontRef idx="minor">
+              <a:schemeClr val="lt1"/>
+            </a:fontRef>
+          </p:style>
+          <p:txBody>
+            <a:bodyPr rtlCol="0" anchor="ctr"/>
+            <a:lstStyle/>
+            <a:p>
+              <a:pPr algn="ctr"/>
+              <a:endParaRPr lang="ko-KR" altLang="en-US"/>
+            </a:p>
+          </p:txBody>
+        </p:sp>
+        <p:sp>
+          <p:nvSpPr>
+            <p:cNvPr id="10" name="직사각형 9"/>
+            <p:cNvSpPr/>
+            <p:nvPr/>
+          </p:nvSpPr>
+          <p:spPr>
+            <a:xfrm>
+              <a:off x="8861767" y="5971498"/>
+              <a:ext cx="3406433" cy="1585628"/>
+            </a:xfrm>
+            <a:prstGeom prst="rect">
+              <a:avLst/>
+            </a:prstGeom>
+            <a:solidFill>
+              <a:schemeClr val="bg1">
+                <a:lumMod val="95000"/>
+              </a:schemeClr>
+            </a:solidFill>
+            <a:ln>
+              <a:noFill/>
+            </a:ln>
+          </p:spPr>
+          <p:style>
+            <a:lnRef idx="2">
+              <a:schemeClr val="accent1">
+                <a:shade val="50000"/>
+              </a:schemeClr>
+            </a:lnRef>
+            <a:fillRef idx="1">
+              <a:schemeClr val="accent1"/>
+            </a:fillRef>
+            <a:effectRef idx="0">
+              <a:schemeClr val="accent1"/>
+            </a:effectRef>
+            <a:fontRef idx="minor">
+              <a:schemeClr val="lt1"/>
+            </a:fontRef>
+          </p:style>
+          <p:txBody>
+            <a:bodyPr rtlCol="0" anchor="ctr"/>
+            <a:lstStyle/>
+            <a:p>
+              <a:pPr algn="ctr"/>
+              <a:endParaRPr lang="ko-KR" altLang="en-US"/>
+            </a:p>
+          </p:txBody>
+        </p:sp>
+        <p:sp>
+          <p:nvSpPr>
+            <p:cNvPr id="11" name="직사각형 10"/>
+            <p:cNvSpPr/>
+            <p:nvPr/>
+          </p:nvSpPr>
+          <p:spPr>
+            <a:xfrm>
+              <a:off x="3744170" y="7625442"/>
+              <a:ext cx="8524029" cy="947058"/>
+            </a:xfrm>
+            <a:prstGeom prst="rect">
+              <a:avLst/>
+            </a:prstGeom>
+            <a:solidFill>
+              <a:schemeClr val="bg1">
+                <a:lumMod val="75000"/>
+              </a:schemeClr>
+            </a:solidFill>
+            <a:ln>
+              <a:noFill/>
+            </a:ln>
+          </p:spPr>
+          <p:style>
+            <a:lnRef idx="2">
+              <a:schemeClr val="accent1">
+                <a:shade val="50000"/>
+              </a:schemeClr>
+            </a:lnRef>
+            <a:fillRef idx="1">
+              <a:schemeClr val="accent1"/>
+            </a:fillRef>
+            <a:effectRef idx="0">
+              <a:schemeClr val="accent1"/>
+            </a:effectRef>
+            <a:fontRef idx="minor">
+              <a:schemeClr val="lt1"/>
+            </a:fontRef>
+          </p:style>
+          <p:txBody>
+            <a:bodyPr rtlCol="0" anchor="ctr"/>
+            <a:lstStyle/>
+            <a:p>
+              <a:pPr algn="ctr"/>
+              <a:endParaRPr lang="ko-KR" altLang="en-US"/>
+            </a:p>
+          </p:txBody>
+        </p:sp>
+        <p:sp>
+          <p:nvSpPr>
+            <p:cNvPr id="12" name="직사각형 11"/>
+            <p:cNvSpPr/>
+            <p:nvPr/>
+          </p:nvSpPr>
+          <p:spPr>
+            <a:xfrm>
+              <a:off x="8861767" y="4121997"/>
+              <a:ext cx="3406433" cy="272816"/>
+            </a:xfrm>
+            <a:prstGeom prst="rect">
+              <a:avLst/>
+            </a:prstGeom>
+            <a:solidFill>
+              <a:schemeClr val="tx2">
+                <a:lumMod val="20000"/>
+                <a:lumOff val="80000"/>
+              </a:schemeClr>
+            </a:solidFill>
+            <a:ln>
+              <a:noFill/>
+            </a:ln>
+          </p:spPr>
+          <p:style>
+            <a:lnRef idx="2">
+              <a:schemeClr val="accent1">
+                <a:shade val="50000"/>
+              </a:schemeClr>
+            </a:lnRef>
+            <a:fillRef idx="1">
+              <a:schemeClr val="accent1"/>
+            </a:fillRef>
+            <a:effectRef idx="0">
+              <a:schemeClr val="accent1"/>
+            </a:effectRef>
+            <a:fontRef idx="minor">
+              <a:schemeClr val="lt1"/>
+            </a:fontRef>
+          </p:style>
+          <p:txBody>
+            <a:bodyPr rtlCol="0" anchor="ctr"/>
+            <a:lstStyle/>
+            <a:p>
+              <a:pPr algn="ctr"/>
+              <a:endParaRPr lang="ko-KR" altLang="en-US"/>
+            </a:p>
+          </p:txBody>
+        </p:sp>
+        <p:sp>
+          <p:nvSpPr>
+            <p:cNvPr id="13" name="직사각형 12"/>
+            <p:cNvSpPr/>
+            <p:nvPr/>
+          </p:nvSpPr>
+          <p:spPr>
+            <a:xfrm>
+              <a:off x="11225742" y="4507772"/>
+              <a:ext cx="933288" cy="897060"/>
+            </a:xfrm>
+            <a:prstGeom prst="rect">
+              <a:avLst/>
+            </a:prstGeom>
+            <a:solidFill>
+              <a:schemeClr val="tx2">
+                <a:lumMod val="20000"/>
+                <a:lumOff val="80000"/>
+              </a:schemeClr>
+            </a:solidFill>
+            <a:ln>
+              <a:noFill/>
+            </a:ln>
+          </p:spPr>
+          <p:style>
+            <a:lnRef idx="2">
+              <a:schemeClr val="accent1">
+                <a:shade val="50000"/>
+              </a:schemeClr>
+            </a:lnRef>
+            <a:fillRef idx="1">
+              <a:schemeClr val="accent1"/>
+            </a:fillRef>
+            <a:effectRef idx="0">
+              <a:schemeClr val="accent1"/>
+            </a:effectRef>
+            <a:fontRef idx="minor">
+              <a:schemeClr val="lt1"/>
+            </a:fontRef>
+          </p:style>
+          <p:txBody>
+            <a:bodyPr rtlCol="0" anchor="ctr"/>
+            <a:lstStyle/>
+            <a:p>
+              <a:pPr algn="ctr"/>
+              <a:endParaRPr lang="ko-KR" altLang="en-US"/>
+            </a:p>
+          </p:txBody>
+        </p:sp>
+        <p:sp>
+          <p:nvSpPr>
+            <p:cNvPr id="14" name="직사각형 13"/>
+            <p:cNvSpPr/>
+            <p:nvPr/>
+          </p:nvSpPr>
+          <p:spPr>
+            <a:xfrm>
+              <a:off x="8939518" y="4507771"/>
+              <a:ext cx="2177053" cy="420131"/>
+            </a:xfrm>
+            <a:prstGeom prst="rect">
+              <a:avLst/>
+            </a:prstGeom>
+            <a:solidFill>
+              <a:schemeClr val="bg1"/>
+            </a:solidFill>
+            <a:ln>
+              <a:solidFill>
+                <a:schemeClr val="bg1">
+                  <a:lumMod val="85000"/>
+                </a:schemeClr>
+              </a:solidFill>
+            </a:ln>
+          </p:spPr>
+          <p:style>
+            <a:lnRef idx="2">
+              <a:schemeClr val="accent1">
+                <a:shade val="50000"/>
+              </a:schemeClr>
+            </a:lnRef>
+            <a:fillRef idx="1">
+              <a:schemeClr val="accent1"/>
+            </a:fillRef>
+            <a:effectRef idx="0">
+              <a:schemeClr val="accent1"/>
+            </a:effectRef>
+            <a:fontRef idx="minor">
+              <a:schemeClr val="lt1"/>
+            </a:fontRef>
+          </p:style>
+          <p:txBody>
+            <a:bodyPr rtlCol="0" anchor="ctr"/>
+            <a:lstStyle/>
+            <a:p>
+              <a:pPr algn="ctr"/>
+              <a:endParaRPr lang="ko-KR" altLang="en-US"/>
+            </a:p>
+          </p:txBody>
+        </p:sp>
+        <p:sp>
+          <p:nvSpPr>
+            <p:cNvPr id="24" name="직사각형 23"/>
+            <p:cNvSpPr/>
+            <p:nvPr/>
+          </p:nvSpPr>
+          <p:spPr>
+            <a:xfrm>
+              <a:off x="8943075" y="4966847"/>
+              <a:ext cx="2173400" cy="437984"/>
+            </a:xfrm>
+            <a:prstGeom prst="rect">
+              <a:avLst/>
+            </a:prstGeom>
+            <a:solidFill>
+              <a:schemeClr val="bg1"/>
+            </a:solidFill>
+            <a:ln>
+              <a:solidFill>
+                <a:schemeClr val="bg1">
+                  <a:lumMod val="85000"/>
+                </a:schemeClr>
+              </a:solidFill>
+            </a:ln>
+          </p:spPr>
+          <p:style>
+            <a:lnRef idx="2">
+              <a:schemeClr val="accent1">
+                <a:shade val="50000"/>
+              </a:schemeClr>
+            </a:lnRef>
+            <a:fillRef idx="1">
+              <a:schemeClr val="accent1"/>
+            </a:fillRef>
+            <a:effectRef idx="0">
+              <a:schemeClr val="accent1"/>
+            </a:effectRef>
+            <a:fontRef idx="minor">
+              <a:schemeClr val="lt1"/>
+            </a:fontRef>
+          </p:style>
+          <p:txBody>
+            <a:bodyPr rtlCol="0" anchor="ctr"/>
+            <a:lstStyle/>
+            <a:p>
+              <a:pPr algn="ctr"/>
+              <a:endParaRPr lang="ko-KR" altLang="en-US"/>
+            </a:p>
+          </p:txBody>
+        </p:sp>
+        <p:sp>
+          <p:nvSpPr>
+            <p:cNvPr id="15" name="모서리가 둥근 직사각형 14"/>
+            <p:cNvSpPr/>
+            <p:nvPr/>
+          </p:nvSpPr>
+          <p:spPr>
+            <a:xfrm>
+              <a:off x="3958392" y="3598631"/>
+              <a:ext cx="1742137" cy="405230"/>
+            </a:xfrm>
+            <a:prstGeom prst="roundRect">
+              <a:avLst/>
+            </a:prstGeom>
+            <a:noFill/>
+            <a:ln>
+              <a:solidFill>
+                <a:schemeClr val="accent1">
+                  <a:shade val="50000"/>
+                </a:schemeClr>
+              </a:solidFill>
+            </a:ln>
+          </p:spPr>
+          <p:style>
+            <a:lnRef idx="2">
+              <a:schemeClr val="accent1">
+                <a:shade val="50000"/>
+              </a:schemeClr>
+            </a:lnRef>
+            <a:fillRef idx="1">
+              <a:schemeClr val="accent1"/>
+            </a:fillRef>
+            <a:effectRef idx="0">
+              <a:schemeClr val="accent1"/>
+            </a:effectRef>
+            <a:fontRef idx="minor">
+              <a:schemeClr val="lt1"/>
+            </a:fontRef>
+          </p:style>
+          <p:txBody>
+            <a:bodyPr rtlCol="0" anchor="ctr"/>
+            <a:lstStyle/>
+            <a:p>
+              <a:pPr algn="ctr"/>
+              <a:endParaRPr lang="ko-KR" altLang="en-US"/>
+            </a:p>
+          </p:txBody>
+        </p:sp>
+        <p:sp>
+          <p:nvSpPr>
+            <p:cNvPr id="26" name="모서리가 둥근 직사각형 25"/>
+            <p:cNvSpPr/>
+            <p:nvPr/>
+          </p:nvSpPr>
+          <p:spPr>
+            <a:xfrm>
+              <a:off x="6110973" y="3580907"/>
+              <a:ext cx="1742137" cy="419594"/>
+            </a:xfrm>
+            <a:prstGeom prst="roundRect">
+              <a:avLst/>
+            </a:prstGeom>
+            <a:noFill/>
+            <a:ln>
+              <a:solidFill>
+                <a:schemeClr val="accent1">
+                  <a:shade val="50000"/>
+                </a:schemeClr>
+              </a:solidFill>
+            </a:ln>
+          </p:spPr>
+          <p:style>
+            <a:lnRef idx="2">
+              <a:schemeClr val="accent1">
+                <a:shade val="50000"/>
+              </a:schemeClr>
+            </a:lnRef>
+            <a:fillRef idx="1">
+              <a:schemeClr val="accent1"/>
+            </a:fillRef>
+            <a:effectRef idx="0">
+              <a:schemeClr val="accent1"/>
+            </a:effectRef>
+            <a:fontRef idx="minor">
+              <a:schemeClr val="lt1"/>
+            </a:fontRef>
+          </p:style>
+          <p:txBody>
+            <a:bodyPr rtlCol="0" anchor="ctr"/>
+            <a:lstStyle/>
+            <a:p>
+              <a:pPr algn="ctr"/>
+              <a:endParaRPr lang="ko-KR" altLang="en-US"/>
+            </a:p>
+          </p:txBody>
+        </p:sp>
+        <p:sp>
+          <p:nvSpPr>
+            <p:cNvPr id="27" name="모서리가 둥근 직사각형 26"/>
+            <p:cNvSpPr/>
+            <p:nvPr/>
+          </p:nvSpPr>
+          <p:spPr>
+            <a:xfrm>
+              <a:off x="8222159" y="3600105"/>
+              <a:ext cx="1742137" cy="388788"/>
+            </a:xfrm>
+            <a:prstGeom prst="roundRect">
+              <a:avLst/>
+            </a:prstGeom>
+            <a:noFill/>
+            <a:ln>
+              <a:solidFill>
+                <a:schemeClr val="accent1">
+                  <a:shade val="50000"/>
+                </a:schemeClr>
+              </a:solidFill>
+            </a:ln>
+          </p:spPr>
+          <p:style>
+            <a:lnRef idx="2">
+              <a:schemeClr val="accent1">
+                <a:shade val="50000"/>
+              </a:schemeClr>
+            </a:lnRef>
+            <a:fillRef idx="1">
+              <a:schemeClr val="accent1"/>
+            </a:fillRef>
+            <a:effectRef idx="0">
+              <a:schemeClr val="accent1"/>
+            </a:effectRef>
+            <a:fontRef idx="minor">
+              <a:schemeClr val="lt1"/>
+            </a:fontRef>
+          </p:style>
+          <p:txBody>
+            <a:bodyPr rtlCol="0" anchor="ctr"/>
+            <a:lstStyle/>
+            <a:p>
+              <a:pPr algn="ctr"/>
+              <a:endParaRPr lang="ko-KR" altLang="en-US"/>
+            </a:p>
+          </p:txBody>
+        </p:sp>
+        <p:sp>
+          <p:nvSpPr>
+            <p:cNvPr id="28" name="모서리가 둥근 직사각형 27"/>
+            <p:cNvSpPr/>
+            <p:nvPr/>
+          </p:nvSpPr>
+          <p:spPr>
+            <a:xfrm>
+              <a:off x="10317790" y="3608963"/>
+              <a:ext cx="1742137" cy="396028"/>
+            </a:xfrm>
+            <a:prstGeom prst="roundRect">
+              <a:avLst/>
+            </a:prstGeom>
+            <a:noFill/>
+            <a:ln>
+              <a:solidFill>
+                <a:schemeClr val="accent1">
+                  <a:shade val="50000"/>
+                </a:schemeClr>
+              </a:solidFill>
+            </a:ln>
+          </p:spPr>
+          <p:style>
+            <a:lnRef idx="2">
+              <a:schemeClr val="accent1">
+                <a:shade val="50000"/>
+              </a:schemeClr>
+            </a:lnRef>
+            <a:fillRef idx="1">
+              <a:schemeClr val="accent1"/>
+            </a:fillRef>
+            <a:effectRef idx="0">
+              <a:schemeClr val="accent1"/>
+            </a:effectRef>
+            <a:fontRef idx="minor">
+              <a:schemeClr val="lt1"/>
+            </a:fontRef>
+          </p:style>
+          <p:txBody>
+            <a:bodyPr rtlCol="0" anchor="ctr"/>
+            <a:lstStyle/>
+            <a:p>
+              <a:pPr algn="ctr"/>
+              <a:endParaRPr lang="ko-KR" altLang="en-US"/>
+            </a:p>
+          </p:txBody>
+        </p:sp>
+        <p:cxnSp>
+          <p:nvCxnSpPr>
+            <p:cNvPr id="19" name="직선 연결선 18"/>
+            <p:cNvCxnSpPr/>
+            <p:nvPr/>
+          </p:nvCxnSpPr>
+          <p:spPr>
+            <a:xfrm>
+              <a:off x="3962400" y="4495444"/>
+              <a:ext cx="2667000" cy="0"/>
+            </a:xfrm>
+            <a:prstGeom prst="line">
+              <a:avLst/>
+            </a:prstGeom>
+            <a:ln>
+              <a:solidFill>
+                <a:schemeClr val="tx1"/>
+              </a:solidFill>
+            </a:ln>
+          </p:spPr>
+          <p:style>
+            <a:lnRef idx="1">
+              <a:schemeClr val="accent1"/>
+            </a:lnRef>
+            <a:fillRef idx="0">
+              <a:schemeClr val="accent1"/>
+            </a:fillRef>
+            <a:effectRef idx="0">
+              <a:schemeClr val="accent1"/>
+            </a:effectRef>
+            <a:fontRef idx="minor">
+              <a:schemeClr val="tx1"/>
+            </a:fontRef>
+          </p:style>
+        </p:cxnSp>
+        <p:cxnSp>
+          <p:nvCxnSpPr>
+            <p:cNvPr id="32" name="직선 연결선 31"/>
+            <p:cNvCxnSpPr/>
+            <p:nvPr/>
+          </p:nvCxnSpPr>
+          <p:spPr>
+            <a:xfrm>
+              <a:off x="3962400" y="6286500"/>
+              <a:ext cx="2667000" cy="0"/>
+            </a:xfrm>
+            <a:prstGeom prst="line">
+              <a:avLst/>
+            </a:prstGeom>
+            <a:ln>
+              <a:solidFill>
+                <a:schemeClr val="tx1"/>
+              </a:solidFill>
+            </a:ln>
+          </p:spPr>
+          <p:style>
+            <a:lnRef idx="1">
+              <a:schemeClr val="accent1"/>
+            </a:lnRef>
+            <a:fillRef idx="0">
+              <a:schemeClr val="accent1"/>
+            </a:fillRef>
+            <a:effectRef idx="0">
+              <a:schemeClr val="accent1"/>
+            </a:effectRef>
+            <a:fontRef idx="minor">
+              <a:schemeClr val="tx1"/>
+            </a:fontRef>
+          </p:style>
+        </p:cxnSp>
+        <p:cxnSp>
+          <p:nvCxnSpPr>
+            <p:cNvPr id="21" name="직선 연결선 20"/>
+            <p:cNvCxnSpPr/>
+            <p:nvPr/>
+          </p:nvCxnSpPr>
+          <p:spPr>
+            <a:xfrm>
+              <a:off x="8939519" y="5499100"/>
+              <a:ext cx="3120408" cy="0"/>
+            </a:xfrm>
+            <a:prstGeom prst="line">
+              <a:avLst/>
+            </a:prstGeom>
+            <a:ln>
+              <a:solidFill>
+                <a:schemeClr val="bg1">
+                  <a:lumMod val="75000"/>
+                </a:schemeClr>
+              </a:solidFill>
+            </a:ln>
+          </p:spPr>
+          <p:style>
+            <a:lnRef idx="1">
+              <a:schemeClr val="accent1"/>
+            </a:lnRef>
+            <a:fillRef idx="0">
+              <a:schemeClr val="accent1"/>
+            </a:fillRef>
+            <a:effectRef idx="0">
+              <a:schemeClr val="accent1"/>
+            </a:effectRef>
+            <a:fontRef idx="minor">
+              <a:schemeClr val="tx1"/>
+            </a:fontRef>
+          </p:style>
+        </p:cxnSp>
+        <p:cxnSp>
+          <p:nvCxnSpPr>
+            <p:cNvPr id="23" name="직선 연결선 22"/>
+            <p:cNvCxnSpPr/>
+            <p:nvPr/>
+          </p:nvCxnSpPr>
+          <p:spPr>
+            <a:xfrm>
+              <a:off x="8939519" y="6438900"/>
+              <a:ext cx="3172489" cy="0"/>
+            </a:xfrm>
+            <a:prstGeom prst="line">
+              <a:avLst/>
+            </a:prstGeom>
+            <a:ln>
+              <a:solidFill>
+                <a:schemeClr val="bg1">
+                  <a:lumMod val="50000"/>
+                </a:schemeClr>
+              </a:solidFill>
+            </a:ln>
+          </p:spPr>
+          <p:style>
+            <a:lnRef idx="1">
+              <a:schemeClr val="accent1"/>
+            </a:lnRef>
+            <a:fillRef idx="0">
+              <a:schemeClr val="accent1"/>
+            </a:fillRef>
+            <a:effectRef idx="0">
+              <a:schemeClr val="accent1"/>
+            </a:effectRef>
+            <a:fontRef idx="minor">
+              <a:schemeClr val="tx1"/>
+            </a:fontRef>
+          </p:style>
+        </p:cxnSp>
+        <p:cxnSp>
+          <p:nvCxnSpPr>
+            <p:cNvPr id="29" name="직선 연결선 28"/>
+            <p:cNvCxnSpPr/>
+            <p:nvPr/>
+          </p:nvCxnSpPr>
+          <p:spPr>
+            <a:xfrm>
+              <a:off x="4648200" y="4507771"/>
+              <a:ext cx="0" cy="1169129"/>
+            </a:xfrm>
+            <a:prstGeom prst="line">
+              <a:avLst/>
+            </a:prstGeom>
+            <a:ln>
+              <a:solidFill>
+                <a:schemeClr val="bg1"/>
+              </a:solidFill>
+            </a:ln>
+          </p:spPr>
+          <p:style>
+            <a:lnRef idx="1">
+              <a:schemeClr val="accent1"/>
+            </a:lnRef>
+            <a:fillRef idx="0">
+              <a:schemeClr val="accent1"/>
+            </a:fillRef>
+            <a:effectRef idx="0">
+              <a:schemeClr val="accent1"/>
+            </a:effectRef>
+            <a:fontRef idx="minor">
+              <a:schemeClr val="tx1"/>
+            </a:fontRef>
+          </p:style>
+        </p:cxnSp>
+        <p:cxnSp>
+          <p:nvCxnSpPr>
+            <p:cNvPr id="39" name="직선 연결선 38"/>
+            <p:cNvCxnSpPr/>
+            <p:nvPr/>
+          </p:nvCxnSpPr>
+          <p:spPr>
+            <a:xfrm>
+              <a:off x="4648200" y="6286500"/>
+              <a:ext cx="0" cy="1169129"/>
+            </a:xfrm>
+            <a:prstGeom prst="line">
+              <a:avLst/>
+            </a:prstGeom>
+            <a:ln>
+              <a:solidFill>
+                <a:schemeClr val="bg1"/>
+              </a:solidFill>
+            </a:ln>
+          </p:spPr>
+          <p:style>
+            <a:lnRef idx="1">
+              <a:schemeClr val="accent1"/>
+            </a:lnRef>
+            <a:fillRef idx="0">
+              <a:schemeClr val="accent1"/>
+            </a:fillRef>
+            <a:effectRef idx="0">
+              <a:schemeClr val="accent1"/>
+            </a:effectRef>
+            <a:fontRef idx="minor">
+              <a:schemeClr val="tx1"/>
+            </a:fontRef>
+          </p:style>
+        </p:cxnSp>
+        <p:cxnSp>
+          <p:nvCxnSpPr>
+            <p:cNvPr id="33" name="직선 연결선 32"/>
+            <p:cNvCxnSpPr/>
+            <p:nvPr/>
+          </p:nvCxnSpPr>
+          <p:spPr>
+            <a:xfrm>
+              <a:off x="4648200" y="4927902"/>
+              <a:ext cx="3733800" cy="0"/>
+            </a:xfrm>
+            <a:prstGeom prst="line">
+              <a:avLst/>
+            </a:prstGeom>
+            <a:ln>
+              <a:solidFill>
+                <a:schemeClr val="bg1"/>
+              </a:solidFill>
+            </a:ln>
+          </p:spPr>
+          <p:style>
+            <a:lnRef idx="1">
+              <a:schemeClr val="accent1"/>
+            </a:lnRef>
+            <a:fillRef idx="0">
+              <a:schemeClr val="accent1"/>
+            </a:fillRef>
+            <a:effectRef idx="0">
+              <a:schemeClr val="accent1"/>
+            </a:effectRef>
+            <a:fontRef idx="minor">
+              <a:schemeClr val="tx1"/>
+            </a:fontRef>
+          </p:style>
+        </p:cxnSp>
+        <p:cxnSp>
+          <p:nvCxnSpPr>
+            <p:cNvPr id="44" name="직선 연결선 43"/>
+            <p:cNvCxnSpPr/>
+            <p:nvPr/>
+          </p:nvCxnSpPr>
+          <p:spPr>
+            <a:xfrm>
+              <a:off x="4648200" y="5372100"/>
+              <a:ext cx="3733800" cy="0"/>
+            </a:xfrm>
+            <a:prstGeom prst="line">
+              <a:avLst/>
+            </a:prstGeom>
+            <a:ln>
+              <a:solidFill>
+                <a:schemeClr val="bg1"/>
+              </a:solidFill>
+            </a:ln>
+          </p:spPr>
+          <p:style>
+            <a:lnRef idx="1">
+              <a:schemeClr val="accent1"/>
+            </a:lnRef>
+            <a:fillRef idx="0">
+              <a:schemeClr val="accent1"/>
+            </a:fillRef>
+            <a:effectRef idx="0">
+              <a:schemeClr val="accent1"/>
+            </a:effectRef>
+            <a:fontRef idx="minor">
+              <a:schemeClr val="tx1"/>
+            </a:fontRef>
+          </p:style>
+        </p:cxnSp>
+        <p:cxnSp>
+          <p:nvCxnSpPr>
+            <p:cNvPr id="45" name="직선 연결선 44"/>
+            <p:cNvCxnSpPr/>
+            <p:nvPr/>
+          </p:nvCxnSpPr>
+          <p:spPr>
+            <a:xfrm>
+              <a:off x="4648200" y="6692900"/>
+              <a:ext cx="3733800" cy="0"/>
+            </a:xfrm>
+            <a:prstGeom prst="line">
+              <a:avLst/>
+            </a:prstGeom>
+            <a:ln>
+              <a:solidFill>
+                <a:schemeClr val="bg1"/>
+              </a:solidFill>
+            </a:ln>
+          </p:spPr>
+          <p:style>
+            <a:lnRef idx="1">
+              <a:schemeClr val="accent1"/>
+            </a:lnRef>
+            <a:fillRef idx="0">
+              <a:schemeClr val="accent1"/>
+            </a:fillRef>
+            <a:effectRef idx="0">
+              <a:schemeClr val="accent1"/>
+            </a:effectRef>
+            <a:fontRef idx="minor">
+              <a:schemeClr val="tx1"/>
+            </a:fontRef>
+          </p:style>
+        </p:cxnSp>
+        <p:cxnSp>
+          <p:nvCxnSpPr>
+            <p:cNvPr id="46" name="직선 연결선 45"/>
+            <p:cNvCxnSpPr/>
+            <p:nvPr/>
+          </p:nvCxnSpPr>
+          <p:spPr>
+            <a:xfrm>
+              <a:off x="4648200" y="7124700"/>
+              <a:ext cx="3733800" cy="0"/>
+            </a:xfrm>
+            <a:prstGeom prst="line">
+              <a:avLst/>
+            </a:prstGeom>
+            <a:ln>
+              <a:solidFill>
+                <a:schemeClr val="bg1"/>
+              </a:solidFill>
+            </a:ln>
+          </p:spPr>
+          <p:style>
+            <a:lnRef idx="1">
+              <a:schemeClr val="accent1"/>
+            </a:lnRef>
+            <a:fillRef idx="0">
+              <a:schemeClr val="accent1"/>
+            </a:fillRef>
+            <a:effectRef idx="0">
+              <a:schemeClr val="accent1"/>
+            </a:effectRef>
+            <a:fontRef idx="minor">
+              <a:schemeClr val="tx1"/>
+            </a:fontRef>
+          </p:style>
+        </p:cxnSp>
+        <p:cxnSp>
+          <p:nvCxnSpPr>
+            <p:cNvPr id="47" name="직선 연결선 46"/>
+            <p:cNvCxnSpPr/>
+            <p:nvPr/>
+          </p:nvCxnSpPr>
+          <p:spPr>
+            <a:xfrm>
+              <a:off x="4648200" y="5727700"/>
+              <a:ext cx="3733800" cy="0"/>
+            </a:xfrm>
+            <a:prstGeom prst="line">
+              <a:avLst/>
+            </a:prstGeom>
+            <a:ln>
+              <a:solidFill>
+                <a:schemeClr val="bg1"/>
+              </a:solidFill>
+            </a:ln>
+          </p:spPr>
+          <p:style>
+            <a:lnRef idx="1">
+              <a:schemeClr val="accent1"/>
+            </a:lnRef>
+            <a:fillRef idx="0">
+              <a:schemeClr val="accent1"/>
+            </a:fillRef>
+            <a:effectRef idx="0">
+              <a:schemeClr val="accent1"/>
+            </a:effectRef>
+            <a:fontRef idx="minor">
+              <a:schemeClr val="tx1"/>
+            </a:fontRef>
+          </p:style>
+        </p:cxnSp>
+        <p:cxnSp>
+          <p:nvCxnSpPr>
+            <p:cNvPr id="48" name="직선 연결선 47"/>
+            <p:cNvCxnSpPr/>
+            <p:nvPr/>
+          </p:nvCxnSpPr>
+          <p:spPr>
+            <a:xfrm>
+              <a:off x="4648200" y="7505700"/>
+              <a:ext cx="3733800" cy="0"/>
+            </a:xfrm>
+            <a:prstGeom prst="line">
+              <a:avLst/>
+            </a:prstGeom>
+            <a:ln>
+              <a:solidFill>
+                <a:schemeClr val="bg1"/>
+              </a:solidFill>
+            </a:ln>
+          </p:spPr>
+          <p:style>
+            <a:lnRef idx="1">
+              <a:schemeClr val="accent1"/>
+            </a:lnRef>
+            <a:fillRef idx="0">
+              <a:schemeClr val="accent1"/>
+            </a:fillRef>
+            <a:effectRef idx="0">
+              <a:schemeClr val="accent1"/>
+            </a:effectRef>
+            <a:fontRef idx="minor">
+              <a:schemeClr val="tx1"/>
+            </a:fontRef>
+          </p:style>
+        </p:cxnSp>
+        <p:cxnSp>
+          <p:nvCxnSpPr>
+            <p:cNvPr id="51" name="직선 연결선 50"/>
+            <p:cNvCxnSpPr/>
+            <p:nvPr/>
+          </p:nvCxnSpPr>
+          <p:spPr>
+            <a:xfrm>
+              <a:off x="8995392" y="6819900"/>
+              <a:ext cx="3120408" cy="0"/>
+            </a:xfrm>
+            <a:prstGeom prst="line">
+              <a:avLst/>
+            </a:prstGeom>
+            <a:ln>
+              <a:solidFill>
+                <a:schemeClr val="bg1">
+                  <a:lumMod val="75000"/>
+                </a:schemeClr>
+              </a:solidFill>
+            </a:ln>
+          </p:spPr>
+          <p:style>
+            <a:lnRef idx="1">
+              <a:schemeClr val="accent1"/>
+            </a:lnRef>
+            <a:fillRef idx="0">
+              <a:schemeClr val="accent1"/>
+            </a:fillRef>
+            <a:effectRef idx="0">
+              <a:schemeClr val="accent1"/>
+            </a:effectRef>
+            <a:fontRef idx="minor">
+              <a:schemeClr val="tx1"/>
+            </a:fontRef>
+          </p:style>
+        </p:cxnSp>
+        <p:cxnSp>
+          <p:nvCxnSpPr>
+            <p:cNvPr id="52" name="직선 연결선 51"/>
+            <p:cNvCxnSpPr/>
+            <p:nvPr/>
+          </p:nvCxnSpPr>
+          <p:spPr>
+            <a:xfrm>
+              <a:off x="8995392" y="7200900"/>
+              <a:ext cx="3120408" cy="0"/>
+            </a:xfrm>
+            <a:prstGeom prst="line">
+              <a:avLst/>
+            </a:prstGeom>
+            <a:ln>
+              <a:solidFill>
+                <a:schemeClr val="bg1">
+                  <a:lumMod val="75000"/>
+                </a:schemeClr>
+              </a:solidFill>
+            </a:ln>
+          </p:spPr>
+          <p:style>
+            <a:lnRef idx="1">
+              <a:schemeClr val="accent1"/>
+            </a:lnRef>
+            <a:fillRef idx="0">
+              <a:schemeClr val="accent1"/>
+            </a:fillRef>
+            <a:effectRef idx="0">
+              <a:schemeClr val="accent1"/>
+            </a:effectRef>
+            <a:fontRef idx="minor">
+              <a:schemeClr val="tx1"/>
+            </a:fontRef>
+          </p:style>
+        </p:cxnSp>
+      </p:grpSp>
     </p:spTree>
   </p:cSld>
   <p:clrMapOvr>
@@ -33397,7 +34577,7 @@
     <mc:Choice Requires="p14">
       <p:transition/>
     </mc:Choice>
-    <mc:Fallback xmlns:dsp="http://schemas.microsoft.com/office/drawing/2008/diagram" xmlns:dgm="http://schemas.openxmlformats.org/drawingml/2006/diagram" xmlns:c="http://schemas.openxmlformats.org/drawingml/2006/chart" xmlns="">
+    <mc:Fallback xmlns="" xmlns:c="http://schemas.openxmlformats.org/drawingml/2006/chart" xmlns:dgm="http://schemas.openxmlformats.org/drawingml/2006/diagram" xmlns:dsp="http://schemas.microsoft.com/office/drawing/2008/diagram">
       <p:transition/>
     </mc:Fallback>
   </mc:AlternateContent>
